--- a/Class UMLs.pptx
+++ b/Class UMLs.pptx
@@ -172,7 +172,6 @@
               <a:rPr lang="en-US"/>
               <a:t>Click to edit Master title style</a:t>
             </a:r>
-            <a:endParaRPr lang="en-US"/>
           </a:p>
         </p:txBody>
       </p:sp>
@@ -237,7 +236,6 @@
               <a:rPr lang="en-US"/>
               <a:t>Click to edit Master subtitle style</a:t>
             </a:r>
-            <a:endParaRPr lang="en-US"/>
           </a:p>
         </p:txBody>
       </p:sp>
@@ -258,7 +256,7 @@
           <a:p>
             <a:fld id="{FDEC6979-A055-4917-ADB0-1C029E054055}" type="datetimeFigureOut">
               <a:rPr lang="en-US" smtClean="0"/>
-              <a:t>11/3/2016</a:t>
+              <a:t>11/5/2016</a:t>
             </a:fld>
             <a:endParaRPr lang="en-US"/>
           </a:p>
@@ -355,7 +353,6 @@
               <a:rPr lang="en-US"/>
               <a:t>Click to edit Master title style</a:t>
             </a:r>
-            <a:endParaRPr lang="en-US"/>
           </a:p>
         </p:txBody>
       </p:sp>
@@ -407,7 +404,6 @@
               <a:rPr lang="en-US"/>
               <a:t>Fifth level</a:t>
             </a:r>
-            <a:endParaRPr lang="en-US"/>
           </a:p>
         </p:txBody>
       </p:sp>
@@ -428,7 +424,7 @@
           <a:p>
             <a:fld id="{FDEC6979-A055-4917-ADB0-1C029E054055}" type="datetimeFigureOut">
               <a:rPr lang="en-US" smtClean="0"/>
-              <a:t>11/3/2016</a:t>
+              <a:t>11/5/2016</a:t>
             </a:fld>
             <a:endParaRPr lang="en-US"/>
           </a:p>
@@ -530,7 +526,6 @@
               <a:rPr lang="en-US"/>
               <a:t>Click to edit Master title style</a:t>
             </a:r>
-            <a:endParaRPr lang="en-US"/>
           </a:p>
         </p:txBody>
       </p:sp>
@@ -587,7 +582,6 @@
               <a:rPr lang="en-US"/>
               <a:t>Fifth level</a:t>
             </a:r>
-            <a:endParaRPr lang="en-US"/>
           </a:p>
         </p:txBody>
       </p:sp>
@@ -608,7 +602,7 @@
           <a:p>
             <a:fld id="{FDEC6979-A055-4917-ADB0-1C029E054055}" type="datetimeFigureOut">
               <a:rPr lang="en-US" smtClean="0"/>
-              <a:t>11/3/2016</a:t>
+              <a:t>11/5/2016</a:t>
             </a:fld>
             <a:endParaRPr lang="en-US"/>
           </a:p>
@@ -705,7 +699,6 @@
               <a:rPr lang="en-US"/>
               <a:t>Click to edit Master title style</a:t>
             </a:r>
-            <a:endParaRPr lang="en-US"/>
           </a:p>
         </p:txBody>
       </p:sp>
@@ -757,7 +750,6 @@
               <a:rPr lang="en-US"/>
               <a:t>Fifth level</a:t>
             </a:r>
-            <a:endParaRPr lang="en-US"/>
           </a:p>
         </p:txBody>
       </p:sp>
@@ -778,7 +770,7 @@
           <a:p>
             <a:fld id="{FDEC6979-A055-4917-ADB0-1C029E054055}" type="datetimeFigureOut">
               <a:rPr lang="en-US" smtClean="0"/>
-              <a:t>11/3/2016</a:t>
+              <a:t>11/5/2016</a:t>
             </a:fld>
             <a:endParaRPr lang="en-US"/>
           </a:p>
@@ -884,7 +876,6 @@
               <a:rPr lang="en-US"/>
               <a:t>Click to edit Master title style</a:t>
             </a:r>
-            <a:endParaRPr lang="en-US"/>
           </a:p>
         </p:txBody>
       </p:sp>
@@ -1024,7 +1015,7 @@
           <a:p>
             <a:fld id="{FDEC6979-A055-4917-ADB0-1C029E054055}" type="datetimeFigureOut">
               <a:rPr lang="en-US" smtClean="0"/>
-              <a:t>11/3/2016</a:t>
+              <a:t>11/5/2016</a:t>
             </a:fld>
             <a:endParaRPr lang="en-US"/>
           </a:p>
@@ -1121,7 +1112,6 @@
               <a:rPr lang="en-US"/>
               <a:t>Click to edit Master title style</a:t>
             </a:r>
-            <a:endParaRPr lang="en-US"/>
           </a:p>
         </p:txBody>
       </p:sp>
@@ -1178,7 +1168,6 @@
               <a:rPr lang="en-US"/>
               <a:t>Fifth level</a:t>
             </a:r>
-            <a:endParaRPr lang="en-US"/>
           </a:p>
         </p:txBody>
       </p:sp>
@@ -1235,7 +1224,6 @@
               <a:rPr lang="en-US"/>
               <a:t>Fifth level</a:t>
             </a:r>
-            <a:endParaRPr lang="en-US"/>
           </a:p>
         </p:txBody>
       </p:sp>
@@ -1256,7 +1244,7 @@
           <a:p>
             <a:fld id="{FDEC6979-A055-4917-ADB0-1C029E054055}" type="datetimeFigureOut">
               <a:rPr lang="en-US" smtClean="0"/>
-              <a:t>11/3/2016</a:t>
+              <a:t>11/5/2016</a:t>
             </a:fld>
             <a:endParaRPr lang="en-US"/>
           </a:p>
@@ -1358,7 +1346,6 @@
               <a:rPr lang="en-US"/>
               <a:t>Click to edit Master title style</a:t>
             </a:r>
-            <a:endParaRPr lang="en-US"/>
           </a:p>
         </p:txBody>
       </p:sp>
@@ -1480,7 +1467,6 @@
               <a:rPr lang="en-US"/>
               <a:t>Fifth level</a:t>
             </a:r>
-            <a:endParaRPr lang="en-US"/>
           </a:p>
         </p:txBody>
       </p:sp>
@@ -1602,7 +1588,6 @@
               <a:rPr lang="en-US"/>
               <a:t>Fifth level</a:t>
             </a:r>
-            <a:endParaRPr lang="en-US"/>
           </a:p>
         </p:txBody>
       </p:sp>
@@ -1623,7 +1608,7 @@
           <a:p>
             <a:fld id="{FDEC6979-A055-4917-ADB0-1C029E054055}" type="datetimeFigureOut">
               <a:rPr lang="en-US" smtClean="0"/>
-              <a:t>11/3/2016</a:t>
+              <a:t>11/5/2016</a:t>
             </a:fld>
             <a:endParaRPr lang="en-US"/>
           </a:p>
@@ -1720,7 +1705,6 @@
               <a:rPr lang="en-US"/>
               <a:t>Click to edit Master title style</a:t>
             </a:r>
-            <a:endParaRPr lang="en-US"/>
           </a:p>
         </p:txBody>
       </p:sp>
@@ -1741,7 +1725,7 @@
           <a:p>
             <a:fld id="{FDEC6979-A055-4917-ADB0-1C029E054055}" type="datetimeFigureOut">
               <a:rPr lang="en-US" smtClean="0"/>
-              <a:t>11/3/2016</a:t>
+              <a:t>11/5/2016</a:t>
             </a:fld>
             <a:endParaRPr lang="en-US"/>
           </a:p>
@@ -1836,7 +1820,7 @@
           <a:p>
             <a:fld id="{FDEC6979-A055-4917-ADB0-1C029E054055}" type="datetimeFigureOut">
               <a:rPr lang="en-US" smtClean="0"/>
-              <a:t>11/3/2016</a:t>
+              <a:t>11/5/2016</a:t>
             </a:fld>
             <a:endParaRPr lang="en-US"/>
           </a:p>
@@ -1942,7 +1926,6 @@
               <a:rPr lang="en-US"/>
               <a:t>Click to edit Master title style</a:t>
             </a:r>
-            <a:endParaRPr lang="en-US"/>
           </a:p>
         </p:txBody>
       </p:sp>
@@ -2027,7 +2010,6 @@
               <a:rPr lang="en-US"/>
               <a:t>Fifth level</a:t>
             </a:r>
-            <a:endParaRPr lang="en-US"/>
           </a:p>
         </p:txBody>
       </p:sp>
@@ -2113,7 +2095,7 @@
           <a:p>
             <a:fld id="{FDEC6979-A055-4917-ADB0-1C029E054055}" type="datetimeFigureOut">
               <a:rPr lang="en-US" smtClean="0"/>
-              <a:t>11/3/2016</a:t>
+              <a:t>11/5/2016</a:t>
             </a:fld>
             <a:endParaRPr lang="en-US"/>
           </a:p>
@@ -2219,7 +2201,6 @@
               <a:rPr lang="en-US"/>
               <a:t>Click to edit Master title style</a:t>
             </a:r>
-            <a:endParaRPr lang="en-US"/>
           </a:p>
         </p:txBody>
       </p:sp>
@@ -2366,7 +2347,7 @@
           <a:p>
             <a:fld id="{FDEC6979-A055-4917-ADB0-1C029E054055}" type="datetimeFigureOut">
               <a:rPr lang="en-US" smtClean="0"/>
-              <a:t>11/3/2016</a:t>
+              <a:t>11/5/2016</a:t>
             </a:fld>
             <a:endParaRPr lang="en-US"/>
           </a:p>
@@ -2478,7 +2459,6 @@
               <a:rPr lang="en-US"/>
               <a:t>Click to edit Master title style</a:t>
             </a:r>
-            <a:endParaRPr lang="en-US"/>
           </a:p>
         </p:txBody>
       </p:sp>
@@ -2540,7 +2520,6 @@
               <a:rPr lang="en-US"/>
               <a:t>Fifth level</a:t>
             </a:r>
-            <a:endParaRPr lang="en-US"/>
           </a:p>
         </p:txBody>
       </p:sp>
@@ -2579,7 +2558,7 @@
           <a:p>
             <a:fld id="{FDEC6979-A055-4917-ADB0-1C029E054055}" type="datetimeFigureOut">
               <a:rPr lang="en-US" smtClean="0"/>
-              <a:t>11/3/2016</a:t>
+              <a:t>11/5/2016</a:t>
             </a:fld>
             <a:endParaRPr lang="en-US"/>
           </a:p>
@@ -2992,8 +2971,8 @@
         </p:nvGrpSpPr>
         <p:grpSpPr>
           <a:xfrm>
-            <a:off x="-1" y="0"/>
-            <a:ext cx="4302729" cy="5587377"/>
+            <a:off x="-5611" y="-112196"/>
+            <a:ext cx="2631005" cy="6970196"/>
             <a:chOff x="1369030" y="449493"/>
             <a:chExt cx="3490646" cy="4302305"/>
           </a:xfrm>
@@ -3678,6 +3657,38 @@
             <a:bodyPr rtlCol="0" anchor="ctr"/>
             <a:lstStyle/>
             <a:p>
+              <a:r>
+                <a:rPr lang="en-US" dirty="0">
+                  <a:solidFill>
+                    <a:schemeClr val="accent1">
+                      <a:lumMod val="50000"/>
+                    </a:schemeClr>
+                  </a:solidFill>
+                </a:rPr>
+                <a:t>+struct </a:t>
+              </a:r>
+              <a:r>
+                <a:rPr lang="en-US" dirty="0" err="1">
+                  <a:solidFill>
+                    <a:schemeClr val="accent1">
+                      <a:lumMod val="50000"/>
+                    </a:schemeClr>
+                  </a:solidFill>
+                </a:rPr>
+                <a:t>getRoomLocation</a:t>
+              </a:r>
+              <a:r>
+                <a:rPr lang="en-US" dirty="0">
+                  <a:solidFill>
+                    <a:schemeClr val="accent1">
+                      <a:lumMod val="50000"/>
+                    </a:schemeClr>
+                  </a:solidFill>
+                </a:rPr>
+                <a:t>()</a:t>
+              </a:r>
+            </a:p>
+            <a:p>
               <a:endParaRPr lang="en-US" dirty="0">
                 <a:solidFill>
                   <a:schemeClr val="accent1">
@@ -3727,8 +3738,8 @@
         </p:nvGrpSpPr>
         <p:grpSpPr>
           <a:xfrm>
-            <a:off x="0" y="1"/>
-            <a:ext cx="3842724" cy="5233958"/>
+            <a:off x="0" y="0"/>
+            <a:ext cx="3842724" cy="6857999"/>
             <a:chOff x="4266344" y="942653"/>
             <a:chExt cx="3490646" cy="4302305"/>
           </a:xfrm>
@@ -3851,6 +3862,70 @@
                   </a:solidFill>
                 </a:rPr>
                 <a:t>-string name</a:t>
+              </a:r>
+            </a:p>
+            <a:p>
+              <a:r>
+                <a:rPr lang="en-US" dirty="0">
+                  <a:solidFill>
+                    <a:schemeClr val="accent1">
+                      <a:lumMod val="50000"/>
+                    </a:schemeClr>
+                  </a:solidFill>
+                </a:rPr>
+                <a:t>-</a:t>
+              </a:r>
+              <a:r>
+                <a:rPr lang="en-US" dirty="0" err="1">
+                  <a:solidFill>
+                    <a:schemeClr val="accent1">
+                      <a:lumMod val="50000"/>
+                    </a:schemeClr>
+                  </a:solidFill>
+                </a:rPr>
+                <a:t>int</a:t>
+              </a:r>
+              <a:r>
+                <a:rPr lang="en-US" dirty="0">
+                  <a:solidFill>
+                    <a:schemeClr val="accent1">
+                      <a:lumMod val="50000"/>
+                    </a:schemeClr>
+                  </a:solidFill>
+                </a:rPr>
+                <a:t> strength</a:t>
+              </a:r>
+            </a:p>
+            <a:p>
+              <a:r>
+                <a:rPr lang="en-US" dirty="0">
+                  <a:solidFill>
+                    <a:schemeClr val="accent1">
+                      <a:lumMod val="50000"/>
+                    </a:schemeClr>
+                  </a:solidFill>
+                </a:rPr>
+                <a:t>-</a:t>
+              </a:r>
+              <a:r>
+                <a:rPr lang="en-US" dirty="0" err="1">
+                  <a:solidFill>
+                    <a:schemeClr val="accent1">
+                      <a:lumMod val="50000"/>
+                    </a:schemeClr>
+                  </a:solidFill>
+                </a:rPr>
+                <a:t>int</a:t>
+              </a:r>
+              <a:r>
+                <a:rPr lang="en-US" dirty="0">
+                  <a:solidFill>
+                    <a:schemeClr val="accent1">
+                      <a:lumMod val="50000"/>
+                    </a:schemeClr>
+                  </a:solidFill>
+                </a:rPr>
+                <a:t> health</a:t>
               </a:r>
             </a:p>
             <a:p>
@@ -4123,8 +4198,8 @@
         </p:nvGrpSpPr>
         <p:grpSpPr>
           <a:xfrm>
-            <a:off x="0" y="0"/>
-            <a:ext cx="3797846" cy="3421986"/>
+            <a:off x="-5609" y="-112196"/>
+            <a:ext cx="3797846" cy="6970196"/>
             <a:chOff x="4266343" y="942653"/>
             <a:chExt cx="3490647" cy="2332240"/>
           </a:xfrm>
@@ -4766,13 +4841,68 @@
             <a:bodyPr rtlCol="0" anchor="ctr"/>
             <a:lstStyle/>
             <a:p>
-              <a:endParaRPr lang="en-US" dirty="0">
-                <a:solidFill>
-                  <a:schemeClr val="accent1">
-                    <a:lumMod val="50000"/>
-                  </a:schemeClr>
-                </a:solidFill>
-              </a:endParaRPr>
+              <a:r>
+                <a:rPr lang="en-US" dirty="0">
+                  <a:solidFill>
+                    <a:schemeClr val="accent1">
+                      <a:lumMod val="50000"/>
+                    </a:schemeClr>
+                  </a:solidFill>
+                </a:rPr>
+                <a:t>-</a:t>
+              </a:r>
+              <a:r>
+                <a:rPr lang="en-US" dirty="0" err="1">
+                  <a:solidFill>
+                    <a:schemeClr val="accent1">
+                      <a:lumMod val="50000"/>
+                    </a:schemeClr>
+                  </a:solidFill>
+                </a:rPr>
+                <a:t>int</a:t>
+              </a:r>
+              <a:r>
+                <a:rPr lang="en-US" dirty="0">
+                  <a:solidFill>
+                    <a:schemeClr val="accent1">
+                      <a:lumMod val="50000"/>
+                    </a:schemeClr>
+                  </a:solidFill>
+                </a:rPr>
+                <a:t> health</a:t>
+              </a:r>
+            </a:p>
+            <a:p>
+              <a:r>
+                <a:rPr lang="en-US" dirty="0">
+                  <a:solidFill>
+                    <a:schemeClr val="accent1">
+                      <a:lumMod val="50000"/>
+                    </a:schemeClr>
+                  </a:solidFill>
+                </a:rPr>
+                <a:t>-</a:t>
+              </a:r>
+              <a:r>
+                <a:rPr lang="en-US" dirty="0" err="1">
+                  <a:solidFill>
+                    <a:schemeClr val="accent1">
+                      <a:lumMod val="50000"/>
+                    </a:schemeClr>
+                  </a:solidFill>
+                </a:rPr>
+                <a:t>int</a:t>
+              </a:r>
+              <a:r>
+                <a:rPr lang="en-US" dirty="0">
+                  <a:solidFill>
+                    <a:schemeClr val="accent1">
+                      <a:lumMod val="50000"/>
+                    </a:schemeClr>
+                  </a:solidFill>
+                </a:rPr>
+                <a:t> strength</a:t>
+              </a:r>
             </a:p>
           </p:txBody>
         </p:sp>
